--- a/resources/notes/genomic-data-visualization-Lesson_4.pptx
+++ b/resources/notes/genomic-data-visualization-Lesson_4.pptx
@@ -14146,6 +14146,118 @@
           </a:p>
         </p:txBody>
       </p:sp>
+      <p:sp>
+        <p:nvSpPr>
+          <p:cNvPr id="4" name="TextBox 3">
+            <a:extLst>
+              <a:ext uri="{FF2B5EF4-FFF2-40B4-BE49-F238E27FC236}">
+                <a16:creationId xmlns:a16="http://schemas.microsoft.com/office/drawing/2014/main" id="{F8D64749-F539-C3A6-EB36-4D5E9991CCD0}"/>
+              </a:ext>
+            </a:extLst>
+          </p:cNvPr>
+          <p:cNvSpPr txBox="1"/>
+          <p:nvPr/>
+        </p:nvSpPr>
+        <p:spPr>
+          <a:xfrm>
+            <a:off x="468923" y="4419600"/>
+            <a:ext cx="11254154" cy="2031325"/>
+          </a:xfrm>
+          <a:prstGeom prst="rect">
+            <a:avLst/>
+          </a:prstGeom>
+          <a:noFill/>
+        </p:spPr>
+        <p:txBody>
+          <a:bodyPr wrap="square" rtlCol="0">
+            <a:spAutoFit/>
+          </a:bodyPr>
+          <a:lstStyle/>
+          <a:p>
+            <a:r>
+              <a:rPr lang="en-US" dirty="0">
+                <a:latin typeface="-apple-system"/>
+              </a:rPr>
+              <a:t>HW2</a:t>
+            </a:r>
+          </a:p>
+          <a:p>
+            <a:pPr>
+              <a:buFont typeface="+mj-lt"/>
+              <a:buAutoNum type="arabicPeriod"/>
+            </a:pPr>
+            <a:r>
+              <a:rPr lang="en-US" dirty="0">
+                <a:latin typeface="-apple-system"/>
+              </a:rPr>
+              <a:t>How do the gene loadings on the first PC relate to features of the genes such as its mean or variance? </a:t>
+            </a:r>
+          </a:p>
+          <a:p>
+            <a:pPr>
+              <a:buFont typeface="+mj-lt"/>
+              <a:buAutoNum type="arabicPeriod"/>
+            </a:pPr>
+            <a:r>
+              <a:rPr lang="en-US" dirty="0">
+                <a:latin typeface="-apple-system"/>
+              </a:rPr>
+              <a:t>How do the genes with high versus low loadings relate to each other? How are they patterned relative to each other in the tissue?</a:t>
+            </a:r>
+          </a:p>
+          <a:p>
+            <a:pPr>
+              <a:buFont typeface="+mj-lt"/>
+              <a:buAutoNum type="arabicPeriod"/>
+            </a:pPr>
+            <a:r>
+              <a:rPr lang="en-US" dirty="0">
+                <a:latin typeface="-apple-system"/>
+              </a:rPr>
+              <a:t>How do </a:t>
+            </a:r>
+            <a:r>
+              <a:rPr lang="en-US" dirty="0" err="1">
+                <a:latin typeface="-apple-system"/>
+              </a:rPr>
+              <a:t>tSNE</a:t>
+            </a:r>
+            <a:r>
+              <a:rPr lang="en-US" dirty="0">
+                <a:latin typeface="-apple-system"/>
+              </a:rPr>
+              <a:t> coordinates change as you increase or decrease the number of PCs? </a:t>
+            </a:r>
+          </a:p>
+          <a:p>
+            <a:pPr>
+              <a:buFont typeface="+mj-lt"/>
+              <a:buAutoNum type="arabicPeriod"/>
+            </a:pPr>
+            <a:r>
+              <a:rPr lang="en-US" dirty="0">
+                <a:latin typeface="-apple-system"/>
+              </a:rPr>
+              <a:t>How do </a:t>
+            </a:r>
+            <a:r>
+              <a:rPr lang="en-US" dirty="0" err="1">
+                <a:latin typeface="-apple-system"/>
+              </a:rPr>
+              <a:t>tSNE</a:t>
+            </a:r>
+            <a:r>
+              <a:rPr lang="en-US" dirty="0">
+                <a:latin typeface="-apple-system"/>
+              </a:rPr>
+              <a:t> coordinates change as you increase or decrease the perplexity?</a:t>
+            </a:r>
+          </a:p>
+          <a:p>
+            <a:endParaRPr lang="en-US" dirty="0"/>
+          </a:p>
+        </p:txBody>
+      </p:sp>
     </p:spTree>
     <p:extLst>
       <p:ext uri="{BB962C8B-B14F-4D97-AF65-F5344CB8AC3E}">
